--- a/slides/Assembly_scaff_fill_reconcile.pptx
+++ b/slides/Assembly_scaff_fill_reconcile.pptx
@@ -3756,14 +3756,6 @@
           <a:bodyPr/>
           <a:lstStyle/>
           <a:p>
-            <a:r>
-              <a:rPr lang="en-US" dirty="0" smtClean="0"/>
-              <a:t>Assembly </a:t>
-            </a:r>
-            <a:r>
-              <a:rPr lang="en-US" dirty="0" smtClean="0"/>
-              <a:t>scaffolding</a:t>
-            </a:r>
             <a:endParaRPr lang="en-US" dirty="0"/>
           </a:p>
         </p:txBody>
@@ -3783,23 +3775,7 @@
           <a:bodyPr/>
           <a:lstStyle/>
           <a:p>
-            <a:r>
-              <a:rPr lang="en-US" dirty="0" smtClean="0"/>
-              <a:t>Connecting </a:t>
-            </a:r>
-            <a:r>
-              <a:rPr lang="en-US" dirty="0" err="1" smtClean="0"/>
-              <a:t>contigs</a:t>
-            </a:r>
-            <a:r>
-              <a:rPr lang="en-US" dirty="0" smtClean="0"/>
-              <a:t> into larger sequences using </a:t>
-            </a:r>
-            <a:r>
-              <a:rPr lang="en-US" smtClean="0"/>
-              <a:t>ambiguous sequence.</a:t>
-            </a:r>
-            <a:endParaRPr lang="en-US"/>
+            <a:endParaRPr lang="en-US" dirty="0"/>
           </a:p>
         </p:txBody>
       </p:sp>
